--- a/Documentation/Reports and Papers/Knee_Torque_Test/Figures/JigAssembly_saggital_labeled.pptx
+++ b/Documentation/Reports and Papers/Knee_Torque_Test/Figures/JigAssembly_saggital_labeled.pptx
@@ -104,6 +104,11 @@
       </a:defRPr>
     </a:lvl9pPr>
   </p:defaultTextStyle>
+  <p:extLst>
+    <p:ext uri="{EFAFB233-063F-42B5-8137-9DF3F51BA10A}">
+      <p15:sldGuideLst xmlns:p15="http://schemas.microsoft.com/office/powerpoint/2012/main"/>
+    </p:ext>
+  </p:extLst>
 </p:presentation>
 </file>
 
@@ -179,35 +184,35 @@
               <a:buNone/>
               <a:defRPr sz="2400"/>
             </a:lvl1pPr>
-            <a:lvl2pPr marL="457200" indent="0" algn="ctr">
+            <a:lvl2pPr marL="457205" indent="0" algn="ctr">
               <a:buNone/>
               <a:defRPr sz="2000"/>
             </a:lvl2pPr>
-            <a:lvl3pPr marL="914400" indent="0" algn="ctr">
+            <a:lvl3pPr marL="914409" indent="0" algn="ctr">
               <a:buNone/>
               <a:defRPr sz="1800"/>
             </a:lvl3pPr>
-            <a:lvl4pPr marL="1371600" indent="0" algn="ctr">
+            <a:lvl4pPr marL="1371614" indent="0" algn="ctr">
               <a:buNone/>
               <a:defRPr sz="1600"/>
             </a:lvl4pPr>
-            <a:lvl5pPr marL="1828800" indent="0" algn="ctr">
+            <a:lvl5pPr marL="1828818" indent="0" algn="ctr">
               <a:buNone/>
               <a:defRPr sz="1600"/>
             </a:lvl5pPr>
-            <a:lvl6pPr marL="2286000" indent="0" algn="ctr">
+            <a:lvl6pPr marL="2286023" indent="0" algn="ctr">
               <a:buNone/>
               <a:defRPr sz="1600"/>
             </a:lvl6pPr>
-            <a:lvl7pPr marL="2743200" indent="0" algn="ctr">
+            <a:lvl7pPr marL="2743227" indent="0" algn="ctr">
               <a:buNone/>
               <a:defRPr sz="1600"/>
             </a:lvl7pPr>
-            <a:lvl8pPr marL="3200400" indent="0" algn="ctr">
+            <a:lvl8pPr marL="3200432" indent="0" algn="ctr">
               <a:buNone/>
               <a:defRPr sz="1600"/>
             </a:lvl8pPr>
-            <a:lvl9pPr marL="3657600" indent="0" algn="ctr">
+            <a:lvl9pPr marL="3657637" indent="0" algn="ctr">
               <a:buNone/>
               <a:defRPr sz="1600"/>
             </a:lvl9pPr>
@@ -238,7 +243,7 @@
           <a:p>
             <a:fld id="{4FE2642D-944E-43BD-B4DE-B371A78F3B1D}" type="datetimeFigureOut">
               <a:rPr lang="en-US" smtClean="0"/>
-              <a:t>3/21/2022</a:t>
+              <a:t>3/23/2022</a:t>
             </a:fld>
             <a:endParaRPr lang="en-US"/>
           </a:p>
@@ -408,7 +413,7 @@
           <a:p>
             <a:fld id="{4FE2642D-944E-43BD-B4DE-B371A78F3B1D}" type="datetimeFigureOut">
               <a:rPr lang="en-US" smtClean="0"/>
-              <a:t>3/21/2022</a:t>
+              <a:t>3/23/2022</a:t>
             </a:fld>
             <a:endParaRPr lang="en-US"/>
           </a:p>
@@ -498,7 +503,7 @@
         </p:nvSpPr>
         <p:spPr>
           <a:xfrm>
-            <a:off x="6543675" y="365125"/>
+            <a:off x="6543676" y="365125"/>
             <a:ext cx="1971675" cy="5811838"/>
           </a:xfrm>
         </p:spPr>
@@ -588,7 +593,7 @@
           <a:p>
             <a:fld id="{4FE2642D-944E-43BD-B4DE-B371A78F3B1D}" type="datetimeFigureOut">
               <a:rPr lang="en-US" smtClean="0"/>
-              <a:t>3/21/2022</a:t>
+              <a:t>3/23/2022</a:t>
             </a:fld>
             <a:endParaRPr lang="en-US"/>
           </a:p>
@@ -758,7 +763,7 @@
           <a:p>
             <a:fld id="{4FE2642D-944E-43BD-B4DE-B371A78F3B1D}" type="datetimeFigureOut">
               <a:rPr lang="en-US" smtClean="0"/>
-              <a:t>3/21/2022</a:t>
+              <a:t>3/23/2022</a:t>
             </a:fld>
             <a:endParaRPr lang="en-US"/>
           </a:p>
@@ -848,7 +853,7 @@
         </p:nvSpPr>
         <p:spPr>
           <a:xfrm>
-            <a:off x="623888" y="1709739"/>
+            <a:off x="623888" y="1709741"/>
             <a:ext cx="7886700" cy="2852737"/>
           </a:xfrm>
         </p:spPr>
@@ -880,7 +885,7 @@
         </p:nvSpPr>
         <p:spPr>
           <a:xfrm>
-            <a:off x="623888" y="4589464"/>
+            <a:off x="623888" y="4589466"/>
             <a:ext cx="7886700" cy="1500187"/>
           </a:xfrm>
         </p:spPr>
@@ -895,7 +900,7 @@
                 </a:solidFill>
               </a:defRPr>
             </a:lvl1pPr>
-            <a:lvl2pPr marL="457200" indent="0">
+            <a:lvl2pPr marL="457205" indent="0">
               <a:buNone/>
               <a:defRPr sz="2000">
                 <a:solidFill>
@@ -905,7 +910,7 @@
                 </a:solidFill>
               </a:defRPr>
             </a:lvl2pPr>
-            <a:lvl3pPr marL="914400" indent="0">
+            <a:lvl3pPr marL="914409" indent="0">
               <a:buNone/>
               <a:defRPr sz="1800">
                 <a:solidFill>
@@ -915,7 +920,7 @@
                 </a:solidFill>
               </a:defRPr>
             </a:lvl3pPr>
-            <a:lvl4pPr marL="1371600" indent="0">
+            <a:lvl4pPr marL="1371614" indent="0">
               <a:buNone/>
               <a:defRPr sz="1600">
                 <a:solidFill>
@@ -925,7 +930,7 @@
                 </a:solidFill>
               </a:defRPr>
             </a:lvl4pPr>
-            <a:lvl5pPr marL="1828800" indent="0">
+            <a:lvl5pPr marL="1828818" indent="0">
               <a:buNone/>
               <a:defRPr sz="1600">
                 <a:solidFill>
@@ -935,7 +940,7 @@
                 </a:solidFill>
               </a:defRPr>
             </a:lvl5pPr>
-            <a:lvl6pPr marL="2286000" indent="0">
+            <a:lvl6pPr marL="2286023" indent="0">
               <a:buNone/>
               <a:defRPr sz="1600">
                 <a:solidFill>
@@ -945,7 +950,7 @@
                 </a:solidFill>
               </a:defRPr>
             </a:lvl6pPr>
-            <a:lvl7pPr marL="2743200" indent="0">
+            <a:lvl7pPr marL="2743227" indent="0">
               <a:buNone/>
               <a:defRPr sz="1600">
                 <a:solidFill>
@@ -955,7 +960,7 @@
                 </a:solidFill>
               </a:defRPr>
             </a:lvl7pPr>
-            <a:lvl8pPr marL="3200400" indent="0">
+            <a:lvl8pPr marL="3200432" indent="0">
               <a:buNone/>
               <a:defRPr sz="1600">
                 <a:solidFill>
@@ -965,7 +970,7 @@
                 </a:solidFill>
               </a:defRPr>
             </a:lvl8pPr>
-            <a:lvl9pPr marL="3657600" indent="0">
+            <a:lvl9pPr marL="3657637" indent="0">
               <a:buNone/>
               <a:defRPr sz="1600">
                 <a:solidFill>
@@ -1002,7 +1007,7 @@
           <a:p>
             <a:fld id="{4FE2642D-944E-43BD-B4DE-B371A78F3B1D}" type="datetimeFigureOut">
               <a:rPr lang="en-US" smtClean="0"/>
-              <a:t>3/21/2022</a:t>
+              <a:t>3/23/2022</a:t>
             </a:fld>
             <a:endParaRPr lang="en-US"/>
           </a:p>
@@ -1234,7 +1239,7 @@
           <a:p>
             <a:fld id="{4FE2642D-944E-43BD-B4DE-B371A78F3B1D}" type="datetimeFigureOut">
               <a:rPr lang="en-US" smtClean="0"/>
-              <a:t>3/21/2022</a:t>
+              <a:t>3/23/2022</a:t>
             </a:fld>
             <a:endParaRPr lang="en-US"/>
           </a:p>
@@ -1324,7 +1329,7 @@
         </p:nvSpPr>
         <p:spPr>
           <a:xfrm>
-            <a:off x="629841" y="365126"/>
+            <a:off x="629841" y="365128"/>
             <a:ext cx="7886700" cy="1325563"/>
           </a:xfrm>
         </p:spPr>
@@ -1363,35 +1368,35 @@
               <a:buNone/>
               <a:defRPr sz="2400" b="1"/>
             </a:lvl1pPr>
-            <a:lvl2pPr marL="457200" indent="0">
+            <a:lvl2pPr marL="457205" indent="0">
               <a:buNone/>
               <a:defRPr sz="2000" b="1"/>
             </a:lvl2pPr>
-            <a:lvl3pPr marL="914400" indent="0">
+            <a:lvl3pPr marL="914409" indent="0">
               <a:buNone/>
               <a:defRPr sz="1800" b="1"/>
             </a:lvl3pPr>
-            <a:lvl4pPr marL="1371600" indent="0">
+            <a:lvl4pPr marL="1371614" indent="0">
               <a:buNone/>
               <a:defRPr sz="1600" b="1"/>
             </a:lvl4pPr>
-            <a:lvl5pPr marL="1828800" indent="0">
+            <a:lvl5pPr marL="1828818" indent="0">
               <a:buNone/>
               <a:defRPr sz="1600" b="1"/>
             </a:lvl5pPr>
-            <a:lvl6pPr marL="2286000" indent="0">
+            <a:lvl6pPr marL="2286023" indent="0">
               <a:buNone/>
               <a:defRPr sz="1600" b="1"/>
             </a:lvl6pPr>
-            <a:lvl7pPr marL="2743200" indent="0">
+            <a:lvl7pPr marL="2743227" indent="0">
               <a:buNone/>
               <a:defRPr sz="1600" b="1"/>
             </a:lvl7pPr>
-            <a:lvl8pPr marL="3200400" indent="0">
+            <a:lvl8pPr marL="3200432" indent="0">
               <a:buNone/>
               <a:defRPr sz="1600" b="1"/>
             </a:lvl8pPr>
-            <a:lvl9pPr marL="3657600" indent="0">
+            <a:lvl9pPr marL="3657637" indent="0">
               <a:buNone/>
               <a:defRPr sz="1600" b="1"/>
             </a:lvl9pPr>
@@ -1474,7 +1479,7 @@
         </p:nvSpPr>
         <p:spPr>
           <a:xfrm>
-            <a:off x="4629150" y="1681163"/>
+            <a:off x="4629151" y="1681163"/>
             <a:ext cx="3887391" cy="823912"/>
           </a:xfrm>
         </p:spPr>
@@ -1485,35 +1490,35 @@
               <a:buNone/>
               <a:defRPr sz="2400" b="1"/>
             </a:lvl1pPr>
-            <a:lvl2pPr marL="457200" indent="0">
+            <a:lvl2pPr marL="457205" indent="0">
               <a:buNone/>
               <a:defRPr sz="2000" b="1"/>
             </a:lvl2pPr>
-            <a:lvl3pPr marL="914400" indent="0">
+            <a:lvl3pPr marL="914409" indent="0">
               <a:buNone/>
               <a:defRPr sz="1800" b="1"/>
             </a:lvl3pPr>
-            <a:lvl4pPr marL="1371600" indent="0">
+            <a:lvl4pPr marL="1371614" indent="0">
               <a:buNone/>
               <a:defRPr sz="1600" b="1"/>
             </a:lvl4pPr>
-            <a:lvl5pPr marL="1828800" indent="0">
+            <a:lvl5pPr marL="1828818" indent="0">
               <a:buNone/>
               <a:defRPr sz="1600" b="1"/>
             </a:lvl5pPr>
-            <a:lvl6pPr marL="2286000" indent="0">
+            <a:lvl6pPr marL="2286023" indent="0">
               <a:buNone/>
               <a:defRPr sz="1600" b="1"/>
             </a:lvl6pPr>
-            <a:lvl7pPr marL="2743200" indent="0">
+            <a:lvl7pPr marL="2743227" indent="0">
               <a:buNone/>
               <a:defRPr sz="1600" b="1"/>
             </a:lvl7pPr>
-            <a:lvl8pPr marL="3200400" indent="0">
+            <a:lvl8pPr marL="3200432" indent="0">
               <a:buNone/>
               <a:defRPr sz="1600" b="1"/>
             </a:lvl8pPr>
-            <a:lvl9pPr marL="3657600" indent="0">
+            <a:lvl9pPr marL="3657637" indent="0">
               <a:buNone/>
               <a:defRPr sz="1600" b="1"/>
             </a:lvl9pPr>
@@ -1539,7 +1544,7 @@
         </p:nvSpPr>
         <p:spPr>
           <a:xfrm>
-            <a:off x="4629150" y="2505075"/>
+            <a:off x="4629151" y="2505075"/>
             <a:ext cx="3887391" cy="3684588"/>
           </a:xfrm>
         </p:spPr>
@@ -1601,7 +1606,7 @@
           <a:p>
             <a:fld id="{4FE2642D-944E-43BD-B4DE-B371A78F3B1D}" type="datetimeFigureOut">
               <a:rPr lang="en-US" smtClean="0"/>
-              <a:t>3/21/2022</a:t>
+              <a:t>3/23/2022</a:t>
             </a:fld>
             <a:endParaRPr lang="en-US"/>
           </a:p>
@@ -1719,7 +1724,7 @@
           <a:p>
             <a:fld id="{4FE2642D-944E-43BD-B4DE-B371A78F3B1D}" type="datetimeFigureOut">
               <a:rPr lang="en-US" smtClean="0"/>
-              <a:t>3/21/2022</a:t>
+              <a:t>3/23/2022</a:t>
             </a:fld>
             <a:endParaRPr lang="en-US"/>
           </a:p>
@@ -1814,7 +1819,7 @@
           <a:p>
             <a:fld id="{4FE2642D-944E-43BD-B4DE-B371A78F3B1D}" type="datetimeFigureOut">
               <a:rPr lang="en-US" smtClean="0"/>
-              <a:t>3/21/2022</a:t>
+              <a:t>3/23/2022</a:t>
             </a:fld>
             <a:endParaRPr lang="en-US"/>
           </a:p>
@@ -1936,7 +1941,7 @@
         </p:nvSpPr>
         <p:spPr>
           <a:xfrm>
-            <a:off x="3887391" y="987426"/>
+            <a:off x="3887391" y="987428"/>
             <a:ext cx="4629150" cy="4873625"/>
           </a:xfrm>
         </p:spPr>
@@ -2032,35 +2037,35 @@
               <a:buNone/>
               <a:defRPr sz="1600"/>
             </a:lvl1pPr>
-            <a:lvl2pPr marL="457200" indent="0">
+            <a:lvl2pPr marL="457205" indent="0">
               <a:buNone/>
               <a:defRPr sz="1400"/>
             </a:lvl2pPr>
-            <a:lvl3pPr marL="914400" indent="0">
+            <a:lvl3pPr marL="914409" indent="0">
               <a:buNone/>
               <a:defRPr sz="1200"/>
             </a:lvl3pPr>
-            <a:lvl4pPr marL="1371600" indent="0">
+            <a:lvl4pPr marL="1371614" indent="0">
               <a:buNone/>
               <a:defRPr sz="1000"/>
             </a:lvl4pPr>
-            <a:lvl5pPr marL="1828800" indent="0">
+            <a:lvl5pPr marL="1828818" indent="0">
               <a:buNone/>
               <a:defRPr sz="1000"/>
             </a:lvl5pPr>
-            <a:lvl6pPr marL="2286000" indent="0">
+            <a:lvl6pPr marL="2286023" indent="0">
               <a:buNone/>
               <a:defRPr sz="1000"/>
             </a:lvl6pPr>
-            <a:lvl7pPr marL="2743200" indent="0">
+            <a:lvl7pPr marL="2743227" indent="0">
               <a:buNone/>
               <a:defRPr sz="1000"/>
             </a:lvl7pPr>
-            <a:lvl8pPr marL="3200400" indent="0">
+            <a:lvl8pPr marL="3200432" indent="0">
               <a:buNone/>
               <a:defRPr sz="1000"/>
             </a:lvl8pPr>
-            <a:lvl9pPr marL="3657600" indent="0">
+            <a:lvl9pPr marL="3657637" indent="0">
               <a:buNone/>
               <a:defRPr sz="1000"/>
             </a:lvl9pPr>
@@ -2091,7 +2096,7 @@
           <a:p>
             <a:fld id="{4FE2642D-944E-43BD-B4DE-B371A78F3B1D}" type="datetimeFigureOut">
               <a:rPr lang="en-US" smtClean="0"/>
-              <a:t>3/21/2022</a:t>
+              <a:t>3/23/2022</a:t>
             </a:fld>
             <a:endParaRPr lang="en-US"/>
           </a:p>
@@ -2213,7 +2218,7 @@
         </p:nvSpPr>
         <p:spPr>
           <a:xfrm>
-            <a:off x="3887391" y="987426"/>
+            <a:off x="3887391" y="987428"/>
             <a:ext cx="4629150" cy="4873625"/>
           </a:xfrm>
         </p:spPr>
@@ -2224,35 +2229,35 @@
               <a:buNone/>
               <a:defRPr sz="3200"/>
             </a:lvl1pPr>
-            <a:lvl2pPr marL="457200" indent="0">
+            <a:lvl2pPr marL="457205" indent="0">
               <a:buNone/>
               <a:defRPr sz="2800"/>
             </a:lvl2pPr>
-            <a:lvl3pPr marL="914400" indent="0">
+            <a:lvl3pPr marL="914409" indent="0">
               <a:buNone/>
               <a:defRPr sz="2400"/>
             </a:lvl3pPr>
-            <a:lvl4pPr marL="1371600" indent="0">
+            <a:lvl4pPr marL="1371614" indent="0">
               <a:buNone/>
               <a:defRPr sz="2000"/>
             </a:lvl4pPr>
-            <a:lvl5pPr marL="1828800" indent="0">
+            <a:lvl5pPr marL="1828818" indent="0">
               <a:buNone/>
               <a:defRPr sz="2000"/>
             </a:lvl5pPr>
-            <a:lvl6pPr marL="2286000" indent="0">
+            <a:lvl6pPr marL="2286023" indent="0">
               <a:buNone/>
               <a:defRPr sz="2000"/>
             </a:lvl6pPr>
-            <a:lvl7pPr marL="2743200" indent="0">
+            <a:lvl7pPr marL="2743227" indent="0">
               <a:buNone/>
               <a:defRPr sz="2000"/>
             </a:lvl7pPr>
-            <a:lvl8pPr marL="3200400" indent="0">
+            <a:lvl8pPr marL="3200432" indent="0">
               <a:buNone/>
               <a:defRPr sz="2000"/>
             </a:lvl8pPr>
-            <a:lvl9pPr marL="3657600" indent="0">
+            <a:lvl9pPr marL="3657637" indent="0">
               <a:buNone/>
               <a:defRPr sz="2000"/>
             </a:lvl9pPr>
@@ -2289,35 +2294,35 @@
               <a:buNone/>
               <a:defRPr sz="1600"/>
             </a:lvl1pPr>
-            <a:lvl2pPr marL="457200" indent="0">
+            <a:lvl2pPr marL="457205" indent="0">
               <a:buNone/>
               <a:defRPr sz="1400"/>
             </a:lvl2pPr>
-            <a:lvl3pPr marL="914400" indent="0">
+            <a:lvl3pPr marL="914409" indent="0">
               <a:buNone/>
               <a:defRPr sz="1200"/>
             </a:lvl3pPr>
-            <a:lvl4pPr marL="1371600" indent="0">
+            <a:lvl4pPr marL="1371614" indent="0">
               <a:buNone/>
               <a:defRPr sz="1000"/>
             </a:lvl4pPr>
-            <a:lvl5pPr marL="1828800" indent="0">
+            <a:lvl5pPr marL="1828818" indent="0">
               <a:buNone/>
               <a:defRPr sz="1000"/>
             </a:lvl5pPr>
-            <a:lvl6pPr marL="2286000" indent="0">
+            <a:lvl6pPr marL="2286023" indent="0">
               <a:buNone/>
               <a:defRPr sz="1000"/>
             </a:lvl6pPr>
-            <a:lvl7pPr marL="2743200" indent="0">
+            <a:lvl7pPr marL="2743227" indent="0">
               <a:buNone/>
               <a:defRPr sz="1000"/>
             </a:lvl7pPr>
-            <a:lvl8pPr marL="3200400" indent="0">
+            <a:lvl8pPr marL="3200432" indent="0">
               <a:buNone/>
               <a:defRPr sz="1000"/>
             </a:lvl8pPr>
-            <a:lvl9pPr marL="3657600" indent="0">
+            <a:lvl9pPr marL="3657637" indent="0">
               <a:buNone/>
               <a:defRPr sz="1000"/>
             </a:lvl9pPr>
@@ -2348,7 +2353,7 @@
           <a:p>
             <a:fld id="{4FE2642D-944E-43BD-B4DE-B371A78F3B1D}" type="datetimeFigureOut">
               <a:rPr lang="en-US" smtClean="0"/>
-              <a:t>3/21/2022</a:t>
+              <a:t>3/23/2022</a:t>
             </a:fld>
             <a:endParaRPr lang="en-US"/>
           </a:p>
@@ -2443,7 +2448,7 @@
         </p:nvSpPr>
         <p:spPr>
           <a:xfrm>
-            <a:off x="628650" y="365126"/>
+            <a:off x="628650" y="365128"/>
             <a:ext cx="7886700" cy="1325563"/>
           </a:xfrm>
           <a:prstGeom prst="rect">
@@ -2538,7 +2543,7 @@
         </p:nvSpPr>
         <p:spPr>
           <a:xfrm>
-            <a:off x="628650" y="6356351"/>
+            <a:off x="628650" y="6356353"/>
             <a:ext cx="2057400" cy="365125"/>
           </a:xfrm>
           <a:prstGeom prst="rect">
@@ -2561,7 +2566,7 @@
           <a:p>
             <a:fld id="{4FE2642D-944E-43BD-B4DE-B371A78F3B1D}" type="datetimeFigureOut">
               <a:rPr lang="en-US" smtClean="0"/>
-              <a:t>3/21/2022</a:t>
+              <a:t>3/23/2022</a:t>
             </a:fld>
             <a:endParaRPr lang="en-US"/>
           </a:p>
@@ -2579,7 +2584,7 @@
         </p:nvSpPr>
         <p:spPr>
           <a:xfrm>
-            <a:off x="3028950" y="6356351"/>
+            <a:off x="3028950" y="6356353"/>
             <a:ext cx="3086100" cy="365125"/>
           </a:xfrm>
           <a:prstGeom prst="rect">
@@ -2616,7 +2621,7 @@
         </p:nvSpPr>
         <p:spPr>
           <a:xfrm>
-            <a:off x="6457950" y="6356351"/>
+            <a:off x="6457950" y="6356353"/>
             <a:ext cx="2057400" cy="365125"/>
           </a:xfrm>
           <a:prstGeom prst="rect">
@@ -2668,7 +2673,7 @@
   </p:sldLayoutIdLst>
   <p:txStyles>
     <p:titleStyle>
-      <a:lvl1pPr algn="l" defTabSz="914400" rtl="0" eaLnBrk="1" latinLnBrk="0" hangingPunct="1">
+      <a:lvl1pPr algn="l" defTabSz="914409" rtl="0" eaLnBrk="1" latinLnBrk="0" hangingPunct="1">
         <a:lnSpc>
           <a:spcPct val="90000"/>
         </a:lnSpc>
@@ -2687,7 +2692,7 @@
       </a:lvl1pPr>
     </p:titleStyle>
     <p:bodyStyle>
-      <a:lvl1pPr marL="228600" indent="-228600" algn="l" defTabSz="914400" rtl="0" eaLnBrk="1" latinLnBrk="0" hangingPunct="1">
+      <a:lvl1pPr marL="228602" indent="-228602" algn="l" defTabSz="914409" rtl="0" eaLnBrk="1" latinLnBrk="0" hangingPunct="1">
         <a:lnSpc>
           <a:spcPct val="90000"/>
         </a:lnSpc>
@@ -2705,7 +2710,7 @@
           <a:cs typeface="+mn-cs"/>
         </a:defRPr>
       </a:lvl1pPr>
-      <a:lvl2pPr marL="685800" indent="-228600" algn="l" defTabSz="914400" rtl="0" eaLnBrk="1" latinLnBrk="0" hangingPunct="1">
+      <a:lvl2pPr marL="685807" indent="-228602" algn="l" defTabSz="914409" rtl="0" eaLnBrk="1" latinLnBrk="0" hangingPunct="1">
         <a:lnSpc>
           <a:spcPct val="90000"/>
         </a:lnSpc>
@@ -2723,7 +2728,7 @@
           <a:cs typeface="+mn-cs"/>
         </a:defRPr>
       </a:lvl2pPr>
-      <a:lvl3pPr marL="1143000" indent="-228600" algn="l" defTabSz="914400" rtl="0" eaLnBrk="1" latinLnBrk="0" hangingPunct="1">
+      <a:lvl3pPr marL="1143011" indent="-228602" algn="l" defTabSz="914409" rtl="0" eaLnBrk="1" latinLnBrk="0" hangingPunct="1">
         <a:lnSpc>
           <a:spcPct val="90000"/>
         </a:lnSpc>
@@ -2741,7 +2746,7 @@
           <a:cs typeface="+mn-cs"/>
         </a:defRPr>
       </a:lvl3pPr>
-      <a:lvl4pPr marL="1600200" indent="-228600" algn="l" defTabSz="914400" rtl="0" eaLnBrk="1" latinLnBrk="0" hangingPunct="1">
+      <a:lvl4pPr marL="1600216" indent="-228602" algn="l" defTabSz="914409" rtl="0" eaLnBrk="1" latinLnBrk="0" hangingPunct="1">
         <a:lnSpc>
           <a:spcPct val="90000"/>
         </a:lnSpc>
@@ -2759,7 +2764,7 @@
           <a:cs typeface="+mn-cs"/>
         </a:defRPr>
       </a:lvl4pPr>
-      <a:lvl5pPr marL="2057400" indent="-228600" algn="l" defTabSz="914400" rtl="0" eaLnBrk="1" latinLnBrk="0" hangingPunct="1">
+      <a:lvl5pPr marL="2057421" indent="-228602" algn="l" defTabSz="914409" rtl="0" eaLnBrk="1" latinLnBrk="0" hangingPunct="1">
         <a:lnSpc>
           <a:spcPct val="90000"/>
         </a:lnSpc>
@@ -2777,7 +2782,7 @@
           <a:cs typeface="+mn-cs"/>
         </a:defRPr>
       </a:lvl5pPr>
-      <a:lvl6pPr marL="2514600" indent="-228600" algn="l" defTabSz="914400" rtl="0" eaLnBrk="1" latinLnBrk="0" hangingPunct="1">
+      <a:lvl6pPr marL="2514625" indent="-228602" algn="l" defTabSz="914409" rtl="0" eaLnBrk="1" latinLnBrk="0" hangingPunct="1">
         <a:lnSpc>
           <a:spcPct val="90000"/>
         </a:lnSpc>
@@ -2795,7 +2800,7 @@
           <a:cs typeface="+mn-cs"/>
         </a:defRPr>
       </a:lvl6pPr>
-      <a:lvl7pPr marL="2971800" indent="-228600" algn="l" defTabSz="914400" rtl="0" eaLnBrk="1" latinLnBrk="0" hangingPunct="1">
+      <a:lvl7pPr marL="2971830" indent="-228602" algn="l" defTabSz="914409" rtl="0" eaLnBrk="1" latinLnBrk="0" hangingPunct="1">
         <a:lnSpc>
           <a:spcPct val="90000"/>
         </a:lnSpc>
@@ -2813,7 +2818,7 @@
           <a:cs typeface="+mn-cs"/>
         </a:defRPr>
       </a:lvl7pPr>
-      <a:lvl8pPr marL="3429000" indent="-228600" algn="l" defTabSz="914400" rtl="0" eaLnBrk="1" latinLnBrk="0" hangingPunct="1">
+      <a:lvl8pPr marL="3429034" indent="-228602" algn="l" defTabSz="914409" rtl="0" eaLnBrk="1" latinLnBrk="0" hangingPunct="1">
         <a:lnSpc>
           <a:spcPct val="90000"/>
         </a:lnSpc>
@@ -2831,7 +2836,7 @@
           <a:cs typeface="+mn-cs"/>
         </a:defRPr>
       </a:lvl8pPr>
-      <a:lvl9pPr marL="3886200" indent="-228600" algn="l" defTabSz="914400" rtl="0" eaLnBrk="1" latinLnBrk="0" hangingPunct="1">
+      <a:lvl9pPr marL="3886239" indent="-228602" algn="l" defTabSz="914409" rtl="0" eaLnBrk="1" latinLnBrk="0" hangingPunct="1">
         <a:lnSpc>
           <a:spcPct val="90000"/>
         </a:lnSpc>
@@ -2854,7 +2859,7 @@
       <a:defPPr>
         <a:defRPr lang="en-US"/>
       </a:defPPr>
-      <a:lvl1pPr marL="0" algn="l" defTabSz="914400" rtl="0" eaLnBrk="1" latinLnBrk="0" hangingPunct="1">
+      <a:lvl1pPr marL="0" algn="l" defTabSz="914409" rtl="0" eaLnBrk="1" latinLnBrk="0" hangingPunct="1">
         <a:defRPr sz="1800" kern="1200">
           <a:solidFill>
             <a:schemeClr val="tx1"/>
@@ -2864,7 +2869,7 @@
           <a:cs typeface="+mn-cs"/>
         </a:defRPr>
       </a:lvl1pPr>
-      <a:lvl2pPr marL="457200" algn="l" defTabSz="914400" rtl="0" eaLnBrk="1" latinLnBrk="0" hangingPunct="1">
+      <a:lvl2pPr marL="457205" algn="l" defTabSz="914409" rtl="0" eaLnBrk="1" latinLnBrk="0" hangingPunct="1">
         <a:defRPr sz="1800" kern="1200">
           <a:solidFill>
             <a:schemeClr val="tx1"/>
@@ -2874,7 +2879,7 @@
           <a:cs typeface="+mn-cs"/>
         </a:defRPr>
       </a:lvl2pPr>
-      <a:lvl3pPr marL="914400" algn="l" defTabSz="914400" rtl="0" eaLnBrk="1" latinLnBrk="0" hangingPunct="1">
+      <a:lvl3pPr marL="914409" algn="l" defTabSz="914409" rtl="0" eaLnBrk="1" latinLnBrk="0" hangingPunct="1">
         <a:defRPr sz="1800" kern="1200">
           <a:solidFill>
             <a:schemeClr val="tx1"/>
@@ -2884,7 +2889,7 @@
           <a:cs typeface="+mn-cs"/>
         </a:defRPr>
       </a:lvl3pPr>
-      <a:lvl4pPr marL="1371600" algn="l" defTabSz="914400" rtl="0" eaLnBrk="1" latinLnBrk="0" hangingPunct="1">
+      <a:lvl4pPr marL="1371614" algn="l" defTabSz="914409" rtl="0" eaLnBrk="1" latinLnBrk="0" hangingPunct="1">
         <a:defRPr sz="1800" kern="1200">
           <a:solidFill>
             <a:schemeClr val="tx1"/>
@@ -2894,7 +2899,7 @@
           <a:cs typeface="+mn-cs"/>
         </a:defRPr>
       </a:lvl4pPr>
-      <a:lvl5pPr marL="1828800" algn="l" defTabSz="914400" rtl="0" eaLnBrk="1" latinLnBrk="0" hangingPunct="1">
+      <a:lvl5pPr marL="1828818" algn="l" defTabSz="914409" rtl="0" eaLnBrk="1" latinLnBrk="0" hangingPunct="1">
         <a:defRPr sz="1800" kern="1200">
           <a:solidFill>
             <a:schemeClr val="tx1"/>
@@ -2904,7 +2909,7 @@
           <a:cs typeface="+mn-cs"/>
         </a:defRPr>
       </a:lvl5pPr>
-      <a:lvl6pPr marL="2286000" algn="l" defTabSz="914400" rtl="0" eaLnBrk="1" latinLnBrk="0" hangingPunct="1">
+      <a:lvl6pPr marL="2286023" algn="l" defTabSz="914409" rtl="0" eaLnBrk="1" latinLnBrk="0" hangingPunct="1">
         <a:defRPr sz="1800" kern="1200">
           <a:solidFill>
             <a:schemeClr val="tx1"/>
@@ -2914,7 +2919,7 @@
           <a:cs typeface="+mn-cs"/>
         </a:defRPr>
       </a:lvl6pPr>
-      <a:lvl7pPr marL="2743200" algn="l" defTabSz="914400" rtl="0" eaLnBrk="1" latinLnBrk="0" hangingPunct="1">
+      <a:lvl7pPr marL="2743227" algn="l" defTabSz="914409" rtl="0" eaLnBrk="1" latinLnBrk="0" hangingPunct="1">
         <a:defRPr sz="1800" kern="1200">
           <a:solidFill>
             <a:schemeClr val="tx1"/>
@@ -2924,7 +2929,7 @@
           <a:cs typeface="+mn-cs"/>
         </a:defRPr>
       </a:lvl7pPr>
-      <a:lvl8pPr marL="3200400" algn="l" defTabSz="914400" rtl="0" eaLnBrk="1" latinLnBrk="0" hangingPunct="1">
+      <a:lvl8pPr marL="3200432" algn="l" defTabSz="914409" rtl="0" eaLnBrk="1" latinLnBrk="0" hangingPunct="1">
         <a:defRPr sz="1800" kern="1200">
           <a:solidFill>
             <a:schemeClr val="tx1"/>
@@ -2934,7 +2939,7 @@
           <a:cs typeface="+mn-cs"/>
         </a:defRPr>
       </a:lvl8pPr>
-      <a:lvl9pPr marL="3657600" algn="l" defTabSz="914400" rtl="0" eaLnBrk="1" latinLnBrk="0" hangingPunct="1">
+      <a:lvl9pPr marL="3657637" algn="l" defTabSz="914409" rtl="0" eaLnBrk="1" latinLnBrk="0" hangingPunct="1">
         <a:defRPr sz="1800" kern="1200">
           <a:solidFill>
             <a:schemeClr val="tx1"/>
@@ -2987,7 +2992,7 @@
         </p:blipFill>
         <p:spPr>
           <a:xfrm>
-            <a:off x="690563" y="49060"/>
+            <a:off x="690562" y="58062"/>
             <a:ext cx="7762875" cy="6618872"/>
           </a:xfrm>
           <a:prstGeom prst="rect">
@@ -3009,7 +3014,7 @@
         </p:nvSpPr>
         <p:spPr>
           <a:xfrm>
-            <a:off x="6400801" y="3883891"/>
+            <a:off x="6400802" y="3883891"/>
             <a:ext cx="337127" cy="360218"/>
           </a:xfrm>
           <a:prstGeom prst="arc">
@@ -3105,7 +3110,7 @@
         </p:nvCxnSpPr>
         <p:spPr>
           <a:xfrm flipH="1" flipV="1">
-            <a:off x="5735783" y="3883891"/>
+            <a:off x="5735784" y="3883891"/>
             <a:ext cx="704797" cy="296316"/>
           </a:xfrm>
           <a:prstGeom prst="line">
@@ -3148,7 +3153,7 @@
         </p:nvCxnSpPr>
         <p:spPr>
           <a:xfrm flipV="1">
-            <a:off x="6722753" y="3589868"/>
+            <a:off x="6722754" y="3589869"/>
             <a:ext cx="799034" cy="548815"/>
           </a:xfrm>
           <a:prstGeom prst="line">
@@ -3189,7 +3194,7 @@
         </p:nvCxnSpPr>
         <p:spPr>
           <a:xfrm flipV="1">
-            <a:off x="4138507" y="3883891"/>
+            <a:off x="4138508" y="3883891"/>
             <a:ext cx="1354666" cy="1453496"/>
           </a:xfrm>
           <a:prstGeom prst="line">
@@ -3230,7 +3235,7 @@
         </p:nvSpPr>
         <p:spPr>
           <a:xfrm>
-            <a:off x="5493174" y="3819989"/>
+            <a:off x="5493175" y="3819989"/>
             <a:ext cx="242609" cy="196598"/>
           </a:xfrm>
           <a:prstGeom prst="arc">
@@ -3334,7 +3339,7 @@
         </p:nvSpPr>
         <p:spPr>
           <a:xfrm>
-            <a:off x="1473201" y="352214"/>
+            <a:off x="1473202" y="352215"/>
             <a:ext cx="149013" cy="3600027"/>
           </a:xfrm>
           <a:prstGeom prst="roundRect">
@@ -3480,7 +3485,7 @@
         </p:nvCxnSpPr>
         <p:spPr>
           <a:xfrm flipH="1" flipV="1">
-            <a:off x="1337733" y="5622567"/>
+            <a:off x="1337733" y="5622568"/>
             <a:ext cx="508426" cy="142041"/>
           </a:xfrm>
           <a:prstGeom prst="line">
@@ -3561,7 +3566,7 @@
         </p:nvSpPr>
         <p:spPr>
           <a:xfrm>
-            <a:off x="181464" y="2250347"/>
+            <a:off x="181465" y="2250347"/>
             <a:ext cx="544380" cy="369332"/>
           </a:xfrm>
           <a:prstGeom prst="rect">
@@ -3599,7 +3604,7 @@
         </p:nvSpPr>
         <p:spPr>
           <a:xfrm>
-            <a:off x="118533" y="4968055"/>
+            <a:off x="118534" y="4968056"/>
             <a:ext cx="635110" cy="369332"/>
           </a:xfrm>
           <a:prstGeom prst="rect">
@@ -3713,7 +3718,7 @@
         </p:nvSpPr>
         <p:spPr>
           <a:xfrm>
-            <a:off x="5074740" y="4968055"/>
+            <a:off x="5074741" y="4968056"/>
             <a:ext cx="1333698" cy="369332"/>
           </a:xfrm>
           <a:prstGeom prst="rect">
@@ -3751,7 +3756,7 @@
         </p:nvSpPr>
         <p:spPr>
           <a:xfrm>
-            <a:off x="6409973" y="2250347"/>
+            <a:off x="6409974" y="2250347"/>
             <a:ext cx="1576072" cy="369332"/>
           </a:xfrm>
           <a:prstGeom prst="rect">
@@ -3799,7 +3804,7 @@
             <a:solidFill>
               <a:schemeClr val="tx1"/>
             </a:solidFill>
-            <a:tailEnd type="triangle"/>
+            <a:tailEnd type="triangle" w="lg" len="lg"/>
           </a:ln>
         </p:spPr>
         <p:style>
@@ -3834,7 +3839,7 @@
         </p:nvCxnSpPr>
         <p:spPr>
           <a:xfrm>
-            <a:off x="725844" y="2435013"/>
+            <a:off x="725845" y="2435013"/>
             <a:ext cx="574636" cy="0"/>
           </a:xfrm>
           <a:prstGeom prst="straightConnector1">
@@ -3844,7 +3849,7 @@
             <a:solidFill>
               <a:schemeClr val="tx1"/>
             </a:solidFill>
-            <a:tailEnd type="triangle"/>
+            <a:tailEnd type="triangle" w="lg" len="lg"/>
           </a:ln>
         </p:spPr>
         <p:style>
@@ -3879,8 +3884,8 @@
         </p:nvCxnSpPr>
         <p:spPr>
           <a:xfrm flipV="1">
-            <a:off x="1750598" y="6029801"/>
-            <a:ext cx="249186" cy="286332"/>
+            <a:off x="1750599" y="6029801"/>
+            <a:ext cx="249185" cy="286332"/>
           </a:xfrm>
           <a:prstGeom prst="straightConnector1">
             <a:avLst/>
@@ -3889,7 +3894,7 @@
             <a:solidFill>
               <a:schemeClr val="tx1"/>
             </a:solidFill>
-            <a:tailEnd type="triangle"/>
+            <a:tailEnd type="triangle" w="lg" len="lg"/>
           </a:ln>
         </p:spPr>
         <p:style>
@@ -3925,7 +3930,7 @@
         <p:spPr>
           <a:xfrm>
             <a:off x="7198010" y="2619679"/>
-            <a:ext cx="472791" cy="604428"/>
+            <a:ext cx="472792" cy="604428"/>
           </a:xfrm>
           <a:prstGeom prst="straightConnector1">
             <a:avLst/>
@@ -3934,7 +3939,7 @@
             <a:solidFill>
               <a:schemeClr val="tx1"/>
             </a:solidFill>
-            <a:tailEnd type="triangle"/>
+            <a:tailEnd type="triangle" w="lg" len="lg"/>
           </a:ln>
         </p:spPr>
         <p:style>
@@ -3968,9 +3973,9 @@
           <p:nvPr/>
         </p:nvCxnSpPr>
         <p:spPr>
-          <a:xfrm flipH="1">
+          <a:xfrm flipH="1" flipV="1">
             <a:off x="4505852" y="5152721"/>
-            <a:ext cx="568889" cy="0"/>
+            <a:ext cx="568889" cy="1"/>
           </a:xfrm>
           <a:prstGeom prst="straightConnector1">
             <a:avLst/>
@@ -3979,7 +3984,7 @@
             <a:solidFill>
               <a:schemeClr val="tx1"/>
             </a:solidFill>
-            <a:tailEnd type="triangle"/>
+            <a:tailEnd type="triangle" w="lg" len="lg"/>
           </a:ln>
         </p:spPr>
         <p:style>
@@ -4014,8 +4019,8 @@
         </p:nvCxnSpPr>
         <p:spPr>
           <a:xfrm flipH="1" flipV="1">
-            <a:off x="3298614" y="6078468"/>
-            <a:ext cx="1100005" cy="202199"/>
+            <a:off x="3298614" y="6078469"/>
+            <a:ext cx="1100004" cy="202197"/>
           </a:xfrm>
           <a:prstGeom prst="straightConnector1">
             <a:avLst/>
@@ -4024,7 +4029,7 @@
             <a:solidFill>
               <a:schemeClr val="tx1"/>
             </a:solidFill>
-            <a:tailEnd type="triangle"/>
+            <a:tailEnd type="triangle" w="lg" len="lg"/>
           </a:ln>
         </p:spPr>
         <p:style>
@@ -4060,7 +4065,7 @@
         <p:spPr>
           <a:xfrm flipH="1">
             <a:off x="2254902" y="2377616"/>
-            <a:ext cx="324188" cy="0"/>
+            <a:ext cx="324188" cy="1"/>
           </a:xfrm>
           <a:prstGeom prst="straightConnector1">
             <a:avLst/>
@@ -4069,7 +4074,7 @@
             <a:solidFill>
               <a:schemeClr val="tx1"/>
             </a:solidFill>
-            <a:tailEnd type="triangle"/>
+            <a:tailEnd type="triangle" w="lg" len="lg"/>
           </a:ln>
         </p:spPr>
         <p:style>
@@ -4101,8 +4106,8 @@
         </p:nvSpPr>
         <p:spPr>
           <a:xfrm>
-            <a:off x="4643422" y="1151281"/>
-            <a:ext cx="1797158" cy="369332"/>
+            <a:off x="4626785" y="1364695"/>
+            <a:ext cx="2009048" cy="646331"/>
           </a:xfrm>
           <a:prstGeom prst="rect">
             <a:avLst/>
@@ -4123,8 +4128,377 @@
               <a:t>Test jig assembly</a:t>
             </a:r>
           </a:p>
-        </p:txBody>
-      </p:sp>
+          <a:p>
+            <a:r>
+              <a:rPr lang="en-US" dirty="0"/>
+              <a:t>mounting locations</a:t>
+            </a:r>
+          </a:p>
+        </p:txBody>
+      </p:sp>
+      <p:sp>
+        <p:nvSpPr>
+          <p:cNvPr id="2" name="TextBox 1">
+            <a:extLst>
+              <a:ext uri="{FF2B5EF4-FFF2-40B4-BE49-F238E27FC236}">
+                <a16:creationId xmlns:a16="http://schemas.microsoft.com/office/drawing/2014/main" id="{2FEED023-F10F-4C3F-B936-CB73B021FA90}"/>
+              </a:ext>
+            </a:extLst>
+          </p:cNvPr>
+          <p:cNvSpPr txBox="1"/>
+          <p:nvPr/>
+        </p:nvSpPr>
+        <p:spPr>
+          <a:xfrm>
+            <a:off x="1664241" y="5055523"/>
+            <a:ext cx="545707" cy="369332"/>
+          </a:xfrm>
+          <a:prstGeom prst="rect">
+            <a:avLst/>
+          </a:prstGeom>
+          <a:noFill/>
+        </p:spPr>
+        <p:txBody>
+          <a:bodyPr wrap="square" rtlCol="0">
+            <a:spAutoFit/>
+          </a:bodyPr>
+          <a:lstStyle/>
+          <a:p>
+            <a:r>
+              <a:rPr lang="el-GR" b="1" dirty="0"/>
+              <a:t>θ</a:t>
+            </a:r>
+            <a:endParaRPr lang="en-US" b="1" dirty="0"/>
+          </a:p>
+        </p:txBody>
+      </p:sp>
+      <p:cxnSp>
+        <p:nvCxnSpPr>
+          <p:cNvPr id="4" name="Straight Connector 3">
+            <a:extLst>
+              <a:ext uri="{FF2B5EF4-FFF2-40B4-BE49-F238E27FC236}">
+                <a16:creationId xmlns:a16="http://schemas.microsoft.com/office/drawing/2014/main" id="{0C3B97AA-DDF5-4E3F-8B92-AEFFD7045848}"/>
+              </a:ext>
+            </a:extLst>
+          </p:cNvPr>
+          <p:cNvCxnSpPr/>
+          <p:nvPr/>
+        </p:nvCxnSpPr>
+        <p:spPr>
+          <a:xfrm flipH="1">
+            <a:off x="1120988" y="4238574"/>
+            <a:ext cx="806481" cy="1360649"/>
+          </a:xfrm>
+          <a:prstGeom prst="line">
+            <a:avLst/>
+          </a:prstGeom>
+          <a:ln w="31750" cap="flat" cmpd="sng" algn="ctr">
+            <a:solidFill>
+              <a:schemeClr val="accent2"/>
+            </a:solidFill>
+            <a:prstDash val="dash"/>
+            <a:round/>
+            <a:headEnd type="none" w="med" len="med"/>
+            <a:tailEnd type="none" w="med" len="med"/>
+          </a:ln>
+        </p:spPr>
+        <p:style>
+          <a:lnRef idx="0">
+            <a:scrgbClr r="0" g="0" b="0"/>
+          </a:lnRef>
+          <a:fillRef idx="0">
+            <a:scrgbClr r="0" g="0" b="0"/>
+          </a:fillRef>
+          <a:effectRef idx="0">
+            <a:scrgbClr r="0" g="0" b="0"/>
+          </a:effectRef>
+          <a:fontRef idx="minor">
+            <a:schemeClr val="tx1"/>
+          </a:fontRef>
+        </p:style>
+      </p:cxnSp>
+      <p:cxnSp>
+        <p:nvCxnSpPr>
+          <p:cNvPr id="7" name="Straight Connector 6">
+            <a:extLst>
+              <a:ext uri="{FF2B5EF4-FFF2-40B4-BE49-F238E27FC236}">
+                <a16:creationId xmlns:a16="http://schemas.microsoft.com/office/drawing/2014/main" id="{7B682288-00B4-4EC5-A8FC-51D976024649}"/>
+              </a:ext>
+            </a:extLst>
+          </p:cNvPr>
+          <p:cNvCxnSpPr/>
+          <p:nvPr/>
+        </p:nvCxnSpPr>
+        <p:spPr>
+          <a:xfrm flipH="1">
+            <a:off x="2167922" y="3589869"/>
+            <a:ext cx="86981" cy="1867313"/>
+          </a:xfrm>
+          <a:prstGeom prst="line">
+            <a:avLst/>
+          </a:prstGeom>
+          <a:ln w="31750" cap="flat" cmpd="sng" algn="ctr">
+            <a:solidFill>
+              <a:schemeClr val="accent2"/>
+            </a:solidFill>
+            <a:prstDash val="dash"/>
+            <a:round/>
+            <a:headEnd type="none" w="med" len="med"/>
+            <a:tailEnd type="none" w="med" len="med"/>
+          </a:ln>
+        </p:spPr>
+        <p:style>
+          <a:lnRef idx="0">
+            <a:scrgbClr r="0" g="0" b="0"/>
+          </a:lnRef>
+          <a:fillRef idx="0">
+            <a:scrgbClr r="0" g="0" b="0"/>
+          </a:fillRef>
+          <a:effectRef idx="0">
+            <a:scrgbClr r="0" g="0" b="0"/>
+          </a:effectRef>
+          <a:fontRef idx="minor">
+            <a:schemeClr val="tx1"/>
+          </a:fontRef>
+        </p:style>
+      </p:cxnSp>
+      <p:sp>
+        <p:nvSpPr>
+          <p:cNvPr id="8" name="Arrow: Circular 7">
+            <a:extLst>
+              <a:ext uri="{FF2B5EF4-FFF2-40B4-BE49-F238E27FC236}">
+                <a16:creationId xmlns:a16="http://schemas.microsoft.com/office/drawing/2014/main" id="{A0CA5B50-C055-4A78-8561-F1567316E744}"/>
+              </a:ext>
+            </a:extLst>
+          </p:cNvPr>
+          <p:cNvSpPr/>
+          <p:nvPr/>
+        </p:nvSpPr>
+        <p:spPr>
+          <a:xfrm rot="11650153">
+            <a:off x="1595920" y="4588916"/>
+            <a:ext cx="608788" cy="599493"/>
+          </a:xfrm>
+          <a:prstGeom prst="circularArrow">
+            <a:avLst>
+              <a:gd name="adj1" fmla="val 12500"/>
+              <a:gd name="adj2" fmla="val 1416035"/>
+              <a:gd name="adj3" fmla="val 20457681"/>
+              <a:gd name="adj4" fmla="val 10899855"/>
+              <a:gd name="adj5" fmla="val 19859"/>
+            </a:avLst>
+          </a:prstGeom>
+        </p:spPr>
+        <p:style>
+          <a:lnRef idx="2">
+            <a:schemeClr val="accent4">
+              <a:shade val="50000"/>
+            </a:schemeClr>
+          </a:lnRef>
+          <a:fillRef idx="1">
+            <a:schemeClr val="accent4"/>
+          </a:fillRef>
+          <a:effectRef idx="0">
+            <a:schemeClr val="accent4"/>
+          </a:effectRef>
+          <a:fontRef idx="minor">
+            <a:schemeClr val="lt1"/>
+          </a:fontRef>
+        </p:style>
+        <p:txBody>
+          <a:bodyPr rtlCol="0" anchor="ctr"/>
+          <a:lstStyle/>
+          <a:p>
+            <a:pPr algn="ctr"/>
+            <a:endParaRPr lang="en-US">
+              <a:solidFill>
+                <a:schemeClr val="tx1"/>
+              </a:solidFill>
+            </a:endParaRPr>
+          </a:p>
+        </p:txBody>
+      </p:sp>
+      <p:cxnSp>
+        <p:nvCxnSpPr>
+          <p:cNvPr id="11" name="Straight Arrow Connector 10">
+            <a:extLst>
+              <a:ext uri="{FF2B5EF4-FFF2-40B4-BE49-F238E27FC236}">
+                <a16:creationId xmlns:a16="http://schemas.microsoft.com/office/drawing/2014/main" id="{267B0075-6EC3-400A-9C49-C2725AE3DE1A}"/>
+              </a:ext>
+            </a:extLst>
+          </p:cNvPr>
+          <p:cNvCxnSpPr>
+            <a:cxnSpLocks/>
+            <a:stCxn id="83" idx="1"/>
+          </p:cNvCxnSpPr>
+          <p:nvPr/>
+        </p:nvCxnSpPr>
+        <p:spPr>
+          <a:xfrm flipH="1" flipV="1">
+            <a:off x="2131312" y="1662548"/>
+            <a:ext cx="2495473" cy="25313"/>
+          </a:xfrm>
+          <a:prstGeom prst="straightConnector1">
+            <a:avLst/>
+          </a:prstGeom>
+          <a:ln w="25400">
+            <a:solidFill>
+              <a:schemeClr val="tx1"/>
+            </a:solidFill>
+            <a:tailEnd type="triangle" w="lg" len="lg"/>
+          </a:ln>
+          <a:effectLst>
+            <a:innerShdw blurRad="63500" dist="50800" dir="13500000">
+              <a:schemeClr val="bg1">
+                <a:alpha val="50000"/>
+              </a:schemeClr>
+            </a:innerShdw>
+          </a:effectLst>
+        </p:spPr>
+        <p:style>
+          <a:lnRef idx="1">
+            <a:schemeClr val="dk1"/>
+          </a:lnRef>
+          <a:fillRef idx="0">
+            <a:schemeClr val="dk1"/>
+          </a:fillRef>
+          <a:effectRef idx="0">
+            <a:schemeClr val="dk1"/>
+          </a:effectRef>
+          <a:fontRef idx="minor">
+            <a:schemeClr val="tx1"/>
+          </a:fontRef>
+        </p:style>
+      </p:cxnSp>
+      <p:cxnSp>
+        <p:nvCxnSpPr>
+          <p:cNvPr id="16" name="Connector: Elbow 15">
+            <a:extLst>
+              <a:ext uri="{FF2B5EF4-FFF2-40B4-BE49-F238E27FC236}">
+                <a16:creationId xmlns:a16="http://schemas.microsoft.com/office/drawing/2014/main" id="{D782EC65-4947-4C2F-815F-ADA1E9A1071D}"/>
+              </a:ext>
+            </a:extLst>
+          </p:cNvPr>
+          <p:cNvCxnSpPr>
+            <a:cxnSpLocks/>
+            <a:stCxn id="83" idx="1"/>
+          </p:cNvCxnSpPr>
+          <p:nvPr/>
+        </p:nvCxnSpPr>
+        <p:spPr>
+          <a:xfrm rot="10800000" flipV="1">
+            <a:off x="2369577" y="1687861"/>
+            <a:ext cx="2257209" cy="1313046"/>
+          </a:xfrm>
+          <a:prstGeom prst="bentConnector3">
+            <a:avLst>
+              <a:gd name="adj1" fmla="val 15065"/>
+            </a:avLst>
+          </a:prstGeom>
+          <a:ln w="25400">
+            <a:solidFill>
+              <a:schemeClr val="tx1"/>
+            </a:solidFill>
+            <a:tailEnd type="triangle" w="lg" len="lg"/>
+          </a:ln>
+        </p:spPr>
+        <p:style>
+          <a:lnRef idx="1">
+            <a:schemeClr val="accent1"/>
+          </a:lnRef>
+          <a:fillRef idx="0">
+            <a:schemeClr val="accent1"/>
+          </a:fillRef>
+          <a:effectRef idx="0">
+            <a:schemeClr val="accent1"/>
+          </a:effectRef>
+          <a:fontRef idx="minor">
+            <a:schemeClr val="tx1"/>
+          </a:fontRef>
+        </p:style>
+      </p:cxnSp>
+      <p:sp>
+        <p:nvSpPr>
+          <p:cNvPr id="42" name="TextBox 41">
+            <a:extLst>
+              <a:ext uri="{FF2B5EF4-FFF2-40B4-BE49-F238E27FC236}">
+                <a16:creationId xmlns:a16="http://schemas.microsoft.com/office/drawing/2014/main" id="{3242F89A-4FF5-4A1C-9F86-6BBA1ED8C943}"/>
+              </a:ext>
+            </a:extLst>
+          </p:cNvPr>
+          <p:cNvSpPr txBox="1"/>
+          <p:nvPr/>
+        </p:nvSpPr>
+        <p:spPr>
+          <a:xfrm>
+            <a:off x="4915096" y="3140383"/>
+            <a:ext cx="1132746" cy="369332"/>
+          </a:xfrm>
+          <a:prstGeom prst="rect">
+            <a:avLst/>
+          </a:prstGeom>
+          <a:noFill/>
+          <a:ln>
+            <a:noFill/>
+          </a:ln>
+        </p:spPr>
+        <p:txBody>
+          <a:bodyPr wrap="none" rtlCol="0">
+            <a:spAutoFit/>
+          </a:bodyPr>
+          <a:lstStyle/>
+          <a:p>
+            <a:r>
+              <a:rPr lang="en-US" dirty="0"/>
+              <a:t>Knee joint</a:t>
+            </a:r>
+          </a:p>
+        </p:txBody>
+      </p:sp>
+      <p:cxnSp>
+        <p:nvCxnSpPr>
+          <p:cNvPr id="26" name="Straight Arrow Connector 25">
+            <a:extLst>
+              <a:ext uri="{FF2B5EF4-FFF2-40B4-BE49-F238E27FC236}">
+                <a16:creationId xmlns:a16="http://schemas.microsoft.com/office/drawing/2014/main" id="{6583DA9F-C2D1-4BED-BC36-2ACD571D9F75}"/>
+              </a:ext>
+            </a:extLst>
+          </p:cNvPr>
+          <p:cNvCxnSpPr>
+            <a:cxnSpLocks/>
+          </p:cNvCxnSpPr>
+          <p:nvPr/>
+        </p:nvCxnSpPr>
+        <p:spPr>
+          <a:xfrm flipH="1">
+            <a:off x="2369571" y="3367499"/>
+            <a:ext cx="2573785" cy="568870"/>
+          </a:xfrm>
+          <a:prstGeom prst="straightConnector1">
+            <a:avLst/>
+          </a:prstGeom>
+          <a:ln w="25400">
+            <a:solidFill>
+              <a:schemeClr val="tx1"/>
+            </a:solidFill>
+            <a:tailEnd type="triangle" w="lg" len="lg"/>
+          </a:ln>
+        </p:spPr>
+        <p:style>
+          <a:lnRef idx="1">
+            <a:schemeClr val="accent1"/>
+          </a:lnRef>
+          <a:fillRef idx="0">
+            <a:schemeClr val="accent1"/>
+          </a:fillRef>
+          <a:effectRef idx="0">
+            <a:schemeClr val="accent1"/>
+          </a:effectRef>
+          <a:fontRef idx="minor">
+            <a:schemeClr val="tx1"/>
+          </a:fontRef>
+        </p:style>
+      </p:cxnSp>
     </p:spTree>
     <p:extLst>
       <p:ext uri="{BB962C8B-B14F-4D97-AF65-F5344CB8AC3E}">
